--- a/branches/extended/2-Java-Programmer-Modulo-II/07.Capitulo02.pptx
+++ b/branches/extended/2-Java-Programmer-Modulo-II/07.Capitulo02.pptx
@@ -267,7 +267,7 @@
               <a:pPr>
                 <a:defRPr/>
               </a:pPr>
-              <a:t>04/04/2012</a:t>
+              <a:t>24/09/2012</a:t>
             </a:fld>
             <a:endParaRPr lang="pt-BR"/>
           </a:p>
@@ -455,7 +455,7 @@
               <a:pPr>
                 <a:defRPr/>
               </a:pPr>
-              <a:t>‹nº›</a:t>
+              <a:t>‹#›</a:t>
             </a:fld>
             <a:endParaRPr lang="pt-BR"/>
           </a:p>
@@ -3342,7 +3342,10 @@
             </a:pPr>
             <a:fld id="{E1532F2F-29F5-4DAE-A363-C6DAC46E1857}" type="datetime1">
               <a:rPr lang="pt-BR" smtClean="0"/>
-              <a:t>04/04/2012</a:t>
+              <a:pPr>
+                <a:defRPr/>
+              </a:pPr>
+              <a:t>24/09/2012</a:t>
             </a:fld>
             <a:endParaRPr lang="pt-BR"/>
           </a:p>
@@ -3401,7 +3404,7 @@
               <a:pPr>
                 <a:defRPr/>
               </a:pPr>
-              <a:t>‹nº›</a:t>
+              <a:t>‹#›</a:t>
             </a:fld>
             <a:endParaRPr lang="pt-BR"/>
           </a:p>
@@ -3531,7 +3534,10 @@
             </a:pPr>
             <a:fld id="{76E0553D-8D34-4DCF-A436-D2E77B7A5246}" type="datetime1">
               <a:rPr lang="pt-BR" smtClean="0"/>
-              <a:t>04/04/2012</a:t>
+              <a:pPr>
+                <a:defRPr/>
+              </a:pPr>
+              <a:t>24/09/2012</a:t>
             </a:fld>
             <a:endParaRPr lang="pt-BR"/>
           </a:p>
@@ -3590,7 +3596,7 @@
               <a:pPr>
                 <a:defRPr/>
               </a:pPr>
-              <a:t>‹nº›</a:t>
+              <a:t>‹#›</a:t>
             </a:fld>
             <a:endParaRPr lang="pt-BR"/>
           </a:p>
@@ -3730,7 +3736,10 @@
             </a:pPr>
             <a:fld id="{A4E414DC-D62F-4E55-830A-E183CA2A1834}" type="datetime1">
               <a:rPr lang="pt-BR" smtClean="0"/>
-              <a:t>04/04/2012</a:t>
+              <a:pPr>
+                <a:defRPr/>
+              </a:pPr>
+              <a:t>24/09/2012</a:t>
             </a:fld>
             <a:endParaRPr lang="pt-BR"/>
           </a:p>
@@ -3789,7 +3798,7 @@
               <a:pPr>
                 <a:defRPr/>
               </a:pPr>
-              <a:t>‹nº›</a:t>
+              <a:t>‹#›</a:t>
             </a:fld>
             <a:endParaRPr lang="pt-BR"/>
           </a:p>
@@ -3988,7 +3997,10 @@
             </a:pPr>
             <a:fld id="{F776AF5D-1D6B-4ED9-A5AC-5C27535AAE57}" type="datetime1">
               <a:rPr lang="pt-BR" smtClean="0"/>
-              <a:t>04/04/2012</a:t>
+              <a:pPr>
+                <a:defRPr/>
+              </a:pPr>
+              <a:t>24/09/2012</a:t>
             </a:fld>
             <a:endParaRPr lang="pt-BR"/>
           </a:p>
@@ -4051,7 +4063,7 @@
               <a:pPr>
                 <a:defRPr/>
               </a:pPr>
-              <a:t>‹nº›</a:t>
+              <a:t>‹#›</a:t>
             </a:fld>
             <a:endParaRPr lang="en-US"/>
           </a:p>
@@ -4092,7 +4104,12 @@
             <p:ph type="title"/>
           </p:nvPr>
         </p:nvSpPr>
-        <p:spPr/>
+        <p:spPr>
+          <a:xfrm>
+            <a:off x="457200" y="274638"/>
+            <a:ext cx="8329642" cy="1143000"/>
+          </a:xfrm>
+        </p:spPr>
         <p:txBody>
           <a:bodyPr/>
           <a:lstStyle>
@@ -4102,10 +4119,10 @@
           </a:lstStyle>
           <a:p>
             <a:r>
-              <a:rPr lang="pt-BR" smtClean="0"/>
+              <a:rPr lang="pt-BR" dirty="0" smtClean="0"/>
               <a:t>Clique para editar o estilo do título mestre</a:t>
             </a:r>
-            <a:endParaRPr lang="en-US"/>
+            <a:endParaRPr lang="en-US" dirty="0"/>
           </a:p>
         </p:txBody>
       </p:sp>
@@ -4185,7 +4202,10 @@
             </a:pPr>
             <a:fld id="{EC1BE553-8B4E-4AB0-BA50-AF70C82A532A}" type="datetime1">
               <a:rPr lang="pt-BR" smtClean="0"/>
-              <a:t>04/04/2012</a:t>
+              <a:pPr>
+                <a:defRPr/>
+              </a:pPr>
+              <a:t>24/09/2012</a:t>
             </a:fld>
             <a:endParaRPr lang="pt-BR"/>
           </a:p>
@@ -4244,7 +4264,7 @@
               <a:pPr>
                 <a:defRPr/>
               </a:pPr>
-              <a:t>‹nº›</a:t>
+              <a:t>‹#›</a:t>
             </a:fld>
             <a:endParaRPr lang="pt-BR"/>
           </a:p>
@@ -4688,7 +4708,10 @@
             </a:pPr>
             <a:fld id="{12ED4F63-D730-453C-AC25-D4D62BA6C3A6}" type="datetime1">
               <a:rPr lang="pt-BR" smtClean="0"/>
-              <a:t>04/04/2012</a:t>
+              <a:pPr>
+                <a:defRPr/>
+              </a:pPr>
+              <a:t>24/09/2012</a:t>
             </a:fld>
             <a:endParaRPr lang="pt-BR"/>
           </a:p>
@@ -4747,7 +4770,7 @@
               <a:pPr>
                 <a:defRPr/>
               </a:pPr>
-              <a:t>‹nº›</a:t>
+              <a:t>‹#›</a:t>
             </a:fld>
             <a:endParaRPr lang="pt-BR"/>
           </a:p>
@@ -4976,7 +4999,10 @@
             </a:pPr>
             <a:fld id="{61511202-23A4-4C28-AE00-24FEBB130B9F}" type="datetime1">
               <a:rPr lang="pt-BR" smtClean="0"/>
-              <a:t>04/04/2012</a:t>
+              <a:pPr>
+                <a:defRPr/>
+              </a:pPr>
+              <a:t>24/09/2012</a:t>
             </a:fld>
             <a:endParaRPr lang="pt-BR"/>
           </a:p>
@@ -5035,7 +5061,7 @@
               <a:pPr>
                 <a:defRPr/>
               </a:pPr>
-              <a:t>‹nº›</a:t>
+              <a:t>‹#›</a:t>
             </a:fld>
             <a:endParaRPr lang="pt-BR"/>
           </a:p>
@@ -5374,7 +5400,10 @@
             </a:pPr>
             <a:fld id="{FA21467B-860E-4A10-BC05-9E3F42723107}" type="datetime1">
               <a:rPr lang="pt-BR" smtClean="0"/>
-              <a:t>04/04/2012</a:t>
+              <a:pPr>
+                <a:defRPr/>
+              </a:pPr>
+              <a:t>24/09/2012</a:t>
             </a:fld>
             <a:endParaRPr lang="pt-BR"/>
           </a:p>
@@ -5433,7 +5462,7 @@
               <a:pPr>
                 <a:defRPr/>
               </a:pPr>
-              <a:t>‹nº›</a:t>
+              <a:t>‹#›</a:t>
             </a:fld>
             <a:endParaRPr lang="pt-BR"/>
           </a:p>
@@ -5520,7 +5549,10 @@
             </a:pPr>
             <a:fld id="{7523BC98-7845-4B31-AC11-6C6FDE6340D3}" type="datetime1">
               <a:rPr lang="pt-BR" smtClean="0"/>
-              <a:t>04/04/2012</a:t>
+              <a:pPr>
+                <a:defRPr/>
+              </a:pPr>
+              <a:t>24/09/2012</a:t>
             </a:fld>
             <a:endParaRPr lang="pt-BR"/>
           </a:p>
@@ -5579,7 +5611,7 @@
               <a:pPr>
                 <a:defRPr/>
               </a:pPr>
-              <a:t>‹nº›</a:t>
+              <a:t>‹#›</a:t>
             </a:fld>
             <a:endParaRPr lang="pt-BR"/>
           </a:p>
@@ -5634,7 +5666,10 @@
             </a:pPr>
             <a:fld id="{F9B56AF3-F7FF-4CE1-A685-873F6930876F}" type="datetime1">
               <a:rPr lang="pt-BR" smtClean="0"/>
-              <a:t>04/04/2012</a:t>
+              <a:pPr>
+                <a:defRPr/>
+              </a:pPr>
+              <a:t>24/09/2012</a:t>
             </a:fld>
             <a:endParaRPr lang="pt-BR"/>
           </a:p>
@@ -5693,7 +5728,7 @@
               <a:pPr>
                 <a:defRPr/>
               </a:pPr>
-              <a:t>‹nº›</a:t>
+              <a:t>‹#›</a:t>
             </a:fld>
             <a:endParaRPr lang="pt-BR"/>
           </a:p>
@@ -5907,7 +5942,10 @@
             </a:pPr>
             <a:fld id="{38204BA6-EBD5-47C9-A380-B3C719FDBAB5}" type="datetime1">
               <a:rPr lang="pt-BR" smtClean="0"/>
-              <a:t>04/04/2012</a:t>
+              <a:pPr>
+                <a:defRPr/>
+              </a:pPr>
+              <a:t>24/09/2012</a:t>
             </a:fld>
             <a:endParaRPr lang="pt-BR"/>
           </a:p>
@@ -5971,7 +6009,7 @@
               <a:pPr>
                 <a:defRPr/>
               </a:pPr>
-              <a:t>‹nº›</a:t>
+              <a:t>‹#›</a:t>
             </a:fld>
             <a:endParaRPr lang="pt-BR"/>
           </a:p>
@@ -6188,7 +6226,10 @@
             </a:pPr>
             <a:fld id="{8C975550-D5DC-4616-A3B6-C6BE077798B3}" type="datetime1">
               <a:rPr lang="pt-BR" smtClean="0"/>
-              <a:t>04/04/2012</a:t>
+              <a:pPr>
+                <a:defRPr/>
+              </a:pPr>
+              <a:t>24/09/2012</a:t>
             </a:fld>
             <a:endParaRPr lang="pt-BR"/>
           </a:p>
@@ -6247,7 +6288,7 @@
               <a:pPr>
                 <a:defRPr/>
               </a:pPr>
-              <a:t>‹nº›</a:t>
+              <a:t>‹#›</a:t>
             </a:fld>
             <a:endParaRPr lang="pt-BR"/>
           </a:p>
@@ -6663,7 +6704,10 @@
             </a:pPr>
             <a:fld id="{9C6164F9-0FD3-45A6-9987-3488D7EC9F08}" type="datetime1">
               <a:rPr lang="pt-BR" smtClean="0"/>
-              <a:t>04/04/2012</a:t>
+              <a:pPr>
+                <a:defRPr/>
+              </a:pPr>
+              <a:t>24/09/2012</a:t>
             </a:fld>
             <a:endParaRPr lang="pt-BR"/>
           </a:p>
@@ -6766,7 +6810,7 @@
               <a:pPr>
                 <a:defRPr/>
               </a:pPr>
-              <a:t>‹nº›</a:t>
+              <a:t>‹#›</a:t>
             </a:fld>
             <a:endParaRPr lang="pt-BR"/>
           </a:p>
@@ -7831,38 +7875,26 @@
             </a:pPr>
             <a:r>
               <a:rPr lang="pt-BR" dirty="0" smtClean="0"/>
-              <a:t>for </a:t>
+              <a:t>for (</a:t>
+            </a:r>
+            <a:r>
+              <a:rPr lang="pt-BR" dirty="0" smtClean="0">
+                <a:solidFill>
+                  <a:srgbClr val="FFC000"/>
+                </a:solidFill>
+              </a:rPr>
+              <a:t>String n : nome</a:t>
             </a:r>
             <a:r>
               <a:rPr lang="pt-BR" dirty="0" smtClean="0"/>
-              <a:t>(</a:t>
-            </a:r>
-            <a:r>
-              <a:rPr lang="pt-BR" dirty="0" smtClean="0">
-                <a:solidFill>
-                  <a:srgbClr val="FFC000"/>
-                </a:solidFill>
-              </a:rPr>
-              <a:t>String n : nome</a:t>
-            </a:r>
-            <a:r>
-              <a:rPr lang="pt-BR" dirty="0" smtClean="0"/>
-              <a:t>) </a:t>
-            </a:r>
-            <a:r>
-              <a:rPr lang="pt-BR" dirty="0" smtClean="0"/>
-              <a:t>{</a:t>
+              <a:t>) {</a:t>
             </a:r>
             <a:br>
               <a:rPr lang="pt-BR" dirty="0" smtClean="0"/>
             </a:br>
             <a:r>
               <a:rPr lang="pt-BR" dirty="0" smtClean="0"/>
-              <a:t>	</a:t>
-            </a:r>
-            <a:r>
-              <a:rPr lang="pt-BR" dirty="0" smtClean="0"/>
-              <a:t>System.</a:t>
+              <a:t>	System.</a:t>
             </a:r>
             <a:r>
               <a:rPr lang="pt-BR" dirty="0" err="1" smtClean="0"/>
@@ -7883,10 +7915,6 @@
             <a:r>
               <a:rPr lang="pt-BR" dirty="0" smtClean="0"/>
               <a:t>);</a:t>
-            </a:r>
-            <a:r>
-              <a:rPr lang="pt-BR" dirty="0" smtClean="0"/>
-              <a:t/>
             </a:r>
             <a:br>
               <a:rPr lang="pt-BR" dirty="0" smtClean="0"/>
